--- a/gdd.pptx
+++ b/gdd.pptx
@@ -364,7 +364,7 @@
           <a:p>
             <a:fld id="{5F5869F7-CA8B-4021-934E-530C9B933958}" type="datetimeFigureOut">
               <a:rPr lang="en-US" smtClean="0"/>
-              <a:t>07/03/2018</a:t>
+              <a:t>08/03/2018</a:t>
             </a:fld>
             <a:endParaRPr lang="en-US"/>
           </a:p>
@@ -587,7 +587,7 @@
           <a:p>
             <a:fld id="{5F5869F7-CA8B-4021-934E-530C9B933958}" type="datetimeFigureOut">
               <a:rPr lang="en-US" smtClean="0"/>
-              <a:t>07/03/2018</a:t>
+              <a:t>08/03/2018</a:t>
             </a:fld>
             <a:endParaRPr lang="en-US"/>
           </a:p>
@@ -867,7 +867,7 @@
           <a:p>
             <a:fld id="{5F5869F7-CA8B-4021-934E-530C9B933958}" type="datetimeFigureOut">
               <a:rPr lang="en-US" smtClean="0"/>
-              <a:t>07/03/2018</a:t>
+              <a:t>08/03/2018</a:t>
             </a:fld>
             <a:endParaRPr lang="en-US"/>
           </a:p>
@@ -1046,7 +1046,7 @@
           <a:p>
             <a:fld id="{5F5869F7-CA8B-4021-934E-530C9B933958}" type="datetimeFigureOut">
               <a:rPr lang="en-US" smtClean="0"/>
-              <a:t>07/03/2018</a:t>
+              <a:t>08/03/2018</a:t>
             </a:fld>
             <a:endParaRPr lang="en-US"/>
           </a:p>
@@ -1404,7 +1404,7 @@
           <a:p>
             <a:fld id="{5F5869F7-CA8B-4021-934E-530C9B933958}" type="datetimeFigureOut">
               <a:rPr lang="en-US" smtClean="0"/>
-              <a:t>07/03/2018</a:t>
+              <a:t>08/03/2018</a:t>
             </a:fld>
             <a:endParaRPr lang="en-US"/>
           </a:p>
@@ -1691,7 +1691,7 @@
           <a:p>
             <a:fld id="{5F5869F7-CA8B-4021-934E-530C9B933958}" type="datetimeFigureOut">
               <a:rPr lang="en-US" smtClean="0"/>
-              <a:t>07/03/2018</a:t>
+              <a:t>08/03/2018</a:t>
             </a:fld>
             <a:endParaRPr lang="en-US"/>
           </a:p>
@@ -2113,7 +2113,7 @@
           <a:p>
             <a:fld id="{5F5869F7-CA8B-4021-934E-530C9B933958}" type="datetimeFigureOut">
               <a:rPr lang="en-US" smtClean="0"/>
-              <a:t>07/03/2018</a:t>
+              <a:t>08/03/2018</a:t>
             </a:fld>
             <a:endParaRPr lang="en-US"/>
           </a:p>
@@ -2228,7 +2228,7 @@
           <a:p>
             <a:fld id="{5F5869F7-CA8B-4021-934E-530C9B933958}" type="datetimeFigureOut">
               <a:rPr lang="en-US" smtClean="0"/>
-              <a:t>07/03/2018</a:t>
+              <a:t>08/03/2018</a:t>
             </a:fld>
             <a:endParaRPr lang="en-US"/>
           </a:p>
@@ -2318,7 +2318,7 @@
           <a:p>
             <a:fld id="{5F5869F7-CA8B-4021-934E-530C9B933958}" type="datetimeFigureOut">
               <a:rPr lang="en-US" smtClean="0"/>
-              <a:t>07/03/2018</a:t>
+              <a:t>08/03/2018</a:t>
             </a:fld>
             <a:endParaRPr lang="en-US"/>
           </a:p>
@@ -2596,7 +2596,7 @@
           <a:p>
             <a:fld id="{5F5869F7-CA8B-4021-934E-530C9B933958}" type="datetimeFigureOut">
               <a:rPr lang="en-US" smtClean="0"/>
-              <a:t>07/03/2018</a:t>
+              <a:t>08/03/2018</a:t>
             </a:fld>
             <a:endParaRPr lang="en-US"/>
           </a:p>
@@ -2962,7 +2962,7 @@
           <a:p>
             <a:fld id="{5F5869F7-CA8B-4021-934E-530C9B933958}" type="datetimeFigureOut">
               <a:rPr lang="en-US" smtClean="0"/>
-              <a:t>07/03/2018</a:t>
+              <a:t>08/03/2018</a:t>
             </a:fld>
             <a:endParaRPr lang="en-US"/>
           </a:p>
@@ -3399,7 +3399,7 @@
           <a:p>
             <a:fld id="{5F5869F7-CA8B-4021-934E-530C9B933958}" type="datetimeFigureOut">
               <a:rPr lang="en-US" smtClean="0"/>
-              <a:t>07/03/2018</a:t>
+              <a:t>08/03/2018</a:t>
             </a:fld>
             <a:endParaRPr lang="en-US"/>
           </a:p>
@@ -5612,6 +5612,56 @@
           </a:extLst>
         </p:spPr>
       </p:pic>
+      <p:pic>
+        <p:nvPicPr>
+          <p:cNvPr id="1026" name="Picture 2" descr="E:\zariba\test\Untitled2.png"/>
+          <p:cNvPicPr>
+            <a:picLocks noChangeAspect="1" noChangeArrowheads="1"/>
+          </p:cNvPicPr>
+          <p:nvPr/>
+        </p:nvPicPr>
+        <p:blipFill>
+          <a:blip r:embed="rId4">
+            <a:extLst>
+              <a:ext uri="{28A0092B-C50C-407E-A947-70E740481C1C}">
+                <a14:useLocalDpi xmlns:a14="http://schemas.microsoft.com/office/drawing/2010/main" val="0"/>
+              </a:ext>
+            </a:extLst>
+          </a:blip>
+          <a:srcRect/>
+          <a:stretch>
+            <a:fillRect/>
+          </a:stretch>
+        </p:blipFill>
+        <p:spPr bwMode="auto">
+          <a:xfrm>
+            <a:off x="571500" y="1772816"/>
+            <a:ext cx="8115300" cy="4572000"/>
+          </a:xfrm>
+          <a:prstGeom prst="rect">
+            <a:avLst/>
+          </a:prstGeom>
+          <a:ln>
+            <a:noFill/>
+          </a:ln>
+          <a:effectLst>
+            <a:outerShdw blurRad="190500" algn="tl" rotWithShape="0">
+              <a:srgbClr val="000000">
+                <a:alpha val="70000"/>
+              </a:srgbClr>
+            </a:outerShdw>
+          </a:effectLst>
+          <a:extLst>
+            <a:ext uri="{909E8E84-426E-40DD-AFC4-6F175D3DCCD1}">
+              <a14:hiddenFill xmlns:a14="http://schemas.microsoft.com/office/drawing/2010/main">
+                <a:solidFill>
+                  <a:srgbClr val="FFFFFF"/>
+                </a:solidFill>
+              </a14:hiddenFill>
+            </a:ext>
+          </a:extLst>
+        </p:spPr>
+      </p:pic>
     </p:spTree>
     <p:extLst>
       <p:ext uri="{BB962C8B-B14F-4D97-AF65-F5344CB8AC3E}">
@@ -5649,25 +5699,6 @@
           <a:chExt cx="0" cy="0"/>
         </a:xfrm>
       </p:grpSpPr>
-      <p:sp>
-        <p:nvSpPr>
-          <p:cNvPr id="3" name="Content Placeholder 2"/>
-          <p:cNvSpPr>
-            <a:spLocks noGrp="1"/>
-          </p:cNvSpPr>
-          <p:nvPr>
-            <p:ph idx="1"/>
-          </p:nvPr>
-        </p:nvSpPr>
-        <p:spPr/>
-        <p:txBody>
-          <a:bodyPr/>
-          <a:lstStyle/>
-          <a:p>
-            <a:endParaRPr lang="en-US" dirty="0"/>
-          </a:p>
-        </p:txBody>
-      </p:sp>
       <p:sp>
         <p:nvSpPr>
           <p:cNvPr id="4" name="Title 1"/>
@@ -5832,6 +5863,259 @@
           </a:extLst>
         </p:spPr>
       </p:pic>
+      <p:pic>
+        <p:nvPicPr>
+          <p:cNvPr id="2050" name="Picture 2" descr="E:\zariba\test\4772066.png"/>
+          <p:cNvPicPr>
+            <a:picLocks noChangeAspect="1" noChangeArrowheads="1"/>
+          </p:cNvPicPr>
+          <p:nvPr/>
+        </p:nvPicPr>
+        <p:blipFill>
+          <a:blip r:embed="rId4">
+            <a:extLst>
+              <a:ext uri="{28A0092B-C50C-407E-A947-70E740481C1C}">
+                <a14:useLocalDpi xmlns:a14="http://schemas.microsoft.com/office/drawing/2010/main" val="0"/>
+              </a:ext>
+            </a:extLst>
+          </a:blip>
+          <a:srcRect/>
+          <a:stretch>
+            <a:fillRect/>
+          </a:stretch>
+        </p:blipFill>
+        <p:spPr bwMode="auto">
+          <a:xfrm rot="20151730">
+            <a:off x="1256300" y="2633580"/>
+            <a:ext cx="2667000" cy="2667000"/>
+          </a:xfrm>
+          <a:prstGeom prst="rect">
+            <a:avLst/>
+          </a:prstGeom>
+          <a:ln>
+            <a:noFill/>
+          </a:ln>
+          <a:effectLst>
+            <a:outerShdw blurRad="292100" dist="139700" dir="2700000" algn="tl" rotWithShape="0">
+              <a:srgbClr val="333333">
+                <a:alpha val="65000"/>
+              </a:srgbClr>
+            </a:outerShdw>
+          </a:effectLst>
+          <a:extLst>
+            <a:ext uri="{909E8E84-426E-40DD-AFC4-6F175D3DCCD1}">
+              <a14:hiddenFill xmlns:a14="http://schemas.microsoft.com/office/drawing/2010/main">
+                <a:solidFill>
+                  <a:srgbClr val="FFFFFF"/>
+                </a:solidFill>
+              </a14:hiddenFill>
+            </a:ext>
+          </a:extLst>
+        </p:spPr>
+      </p:pic>
+      <p:sp>
+        <p:nvSpPr>
+          <p:cNvPr id="2" name="TextBox 1"/>
+          <p:cNvSpPr txBox="1"/>
+          <p:nvPr/>
+        </p:nvSpPr>
+        <p:spPr>
+          <a:xfrm rot="899918">
+            <a:off x="5412151" y="2536075"/>
+            <a:ext cx="2088232" cy="646331"/>
+          </a:xfrm>
+          <a:prstGeom prst="rect">
+            <a:avLst/>
+          </a:prstGeom>
+          <a:noFill/>
+        </p:spPr>
+        <p:txBody>
+          <a:bodyPr wrap="square" rtlCol="0">
+            <a:spAutoFit/>
+            <a:scene3d>
+              <a:camera prst="orthographicFront">
+                <a:rot lat="0" lon="0" rev="0"/>
+              </a:camera>
+              <a:lightRig rig="contrasting" dir="t">
+                <a:rot lat="0" lon="0" rev="4500000"/>
+              </a:lightRig>
+            </a:scene3d>
+            <a:sp3d contourW="6350" prstMaterial="metal">
+              <a:bevelT w="127000" h="31750" prst="relaxedInset"/>
+              <a:contourClr>
+                <a:schemeClr val="accent1">
+                  <a:shade val="75000"/>
+                </a:schemeClr>
+              </a:contourClr>
+            </a:sp3d>
+          </a:bodyPr>
+          <a:lstStyle/>
+          <a:p>
+            <a:r>
+              <a:rPr lang="en-US" sz="3600" b="1" cap="all" dirty="0" smtClean="0">
+                <a:ln w="0"/>
+                <a:gradFill flip="none">
+                  <a:gsLst>
+                    <a:gs pos="0">
+                      <a:schemeClr val="accent1">
+                        <a:tint val="75000"/>
+                        <a:shade val="75000"/>
+                        <a:satMod val="170000"/>
+                      </a:schemeClr>
+                    </a:gs>
+                    <a:gs pos="49000">
+                      <a:schemeClr val="accent1">
+                        <a:tint val="88000"/>
+                        <a:shade val="65000"/>
+                        <a:satMod val="172000"/>
+                      </a:schemeClr>
+                    </a:gs>
+                    <a:gs pos="50000">
+                      <a:schemeClr val="accent1">
+                        <a:shade val="65000"/>
+                        <a:satMod val="130000"/>
+                      </a:schemeClr>
+                    </a:gs>
+                    <a:gs pos="92000">
+                      <a:schemeClr val="accent1">
+                        <a:shade val="50000"/>
+                        <a:satMod val="120000"/>
+                      </a:schemeClr>
+                    </a:gs>
+                    <a:gs pos="100000">
+                      <a:schemeClr val="accent1">
+                        <a:shade val="48000"/>
+                        <a:satMod val="120000"/>
+                      </a:schemeClr>
+                    </a:gs>
+                  </a:gsLst>
+                  <a:lin ang="5400000"/>
+                </a:gradFill>
+                <a:effectLst>
+                  <a:reflection blurRad="12700" stA="50000" endPos="50000" dist="5000" dir="5400000" sy="-100000" rotWithShape="0"/>
+                </a:effectLst>
+              </a:rPr>
+              <a:t>ENUMS</a:t>
+            </a:r>
+            <a:endParaRPr lang="en-US" b="1" cap="all" dirty="0">
+              <a:ln w="0"/>
+              <a:gradFill flip="none">
+                <a:gsLst>
+                  <a:gs pos="0">
+                    <a:schemeClr val="accent1">
+                      <a:tint val="75000"/>
+                      <a:shade val="75000"/>
+                      <a:satMod val="170000"/>
+                    </a:schemeClr>
+                  </a:gs>
+                  <a:gs pos="49000">
+                    <a:schemeClr val="accent1">
+                      <a:tint val="88000"/>
+                      <a:shade val="65000"/>
+                      <a:satMod val="172000"/>
+                    </a:schemeClr>
+                  </a:gs>
+                  <a:gs pos="50000">
+                    <a:schemeClr val="accent1">
+                      <a:shade val="65000"/>
+                      <a:satMod val="130000"/>
+                    </a:schemeClr>
+                  </a:gs>
+                  <a:gs pos="92000">
+                    <a:schemeClr val="accent1">
+                      <a:shade val="50000"/>
+                      <a:satMod val="120000"/>
+                    </a:schemeClr>
+                  </a:gs>
+                  <a:gs pos="100000">
+                    <a:schemeClr val="accent1">
+                      <a:shade val="48000"/>
+                      <a:satMod val="120000"/>
+                    </a:schemeClr>
+                  </a:gs>
+                </a:gsLst>
+                <a:lin ang="5400000"/>
+              </a:gradFill>
+              <a:effectLst>
+                <a:reflection blurRad="12700" stA="50000" endPos="50000" dist="5000" dir="5400000" sy="-100000" rotWithShape="0"/>
+              </a:effectLst>
+            </a:endParaRPr>
+          </a:p>
+        </p:txBody>
+      </p:sp>
+      <p:sp>
+        <p:nvSpPr>
+          <p:cNvPr id="5" name="TextBox 4"/>
+          <p:cNvSpPr txBox="1"/>
+          <p:nvPr/>
+        </p:nvSpPr>
+        <p:spPr>
+          <a:xfrm rot="20633030">
+            <a:off x="5652120" y="4509120"/>
+            <a:ext cx="2607658" cy="707886"/>
+          </a:xfrm>
+          <a:prstGeom prst="rect">
+            <a:avLst/>
+          </a:prstGeom>
+          <a:noFill/>
+        </p:spPr>
+        <p:txBody>
+          <a:bodyPr wrap="square" rtlCol="0">
+            <a:spAutoFit/>
+            <a:scene3d>
+              <a:camera prst="orthographicFront"/>
+              <a:lightRig rig="brightRoom" dir="t"/>
+            </a:scene3d>
+            <a:sp3d contourW="6350" prstMaterial="plastic">
+              <a:bevelT w="20320" h="20320" prst="angle"/>
+              <a:contourClr>
+                <a:schemeClr val="accent1">
+                  <a:tint val="100000"/>
+                  <a:shade val="100000"/>
+                  <a:hueMod val="100000"/>
+                  <a:satMod val="100000"/>
+                </a:schemeClr>
+              </a:contourClr>
+            </a:sp3d>
+          </a:bodyPr>
+          <a:lstStyle/>
+          <a:p>
+            <a:r>
+              <a:rPr lang="en-US" sz="4000" b="1" cap="all" dirty="0" smtClean="0">
+                <a:ln/>
+                <a:solidFill>
+                  <a:schemeClr val="accent1"/>
+                </a:solidFill>
+                <a:effectLst>
+                  <a:outerShdw blurRad="19685" dist="12700" dir="5400000" algn="tl" rotWithShape="0">
+                    <a:schemeClr val="accent1">
+                      <a:satMod val="130000"/>
+                      <a:alpha val="60000"/>
+                    </a:schemeClr>
+                  </a:outerShdw>
+                  <a:reflection blurRad="10000" stA="55000" endPos="48000" dist="500" dir="5400000" sy="-100000" algn="bl" rotWithShape="0"/>
+                </a:effectLst>
+              </a:rPr>
+              <a:t>Classes</a:t>
+            </a:r>
+            <a:endParaRPr lang="en-US" b="1" cap="all" dirty="0">
+              <a:ln/>
+              <a:solidFill>
+                <a:schemeClr val="accent1"/>
+              </a:solidFill>
+              <a:effectLst>
+                <a:outerShdw blurRad="19685" dist="12700" dir="5400000" algn="tl" rotWithShape="0">
+                  <a:schemeClr val="accent1">
+                    <a:satMod val="130000"/>
+                    <a:alpha val="60000"/>
+                  </a:schemeClr>
+                </a:outerShdw>
+                <a:reflection blurRad="10000" stA="55000" endPos="48000" dist="500" dir="5400000" sy="-100000" algn="bl" rotWithShape="0"/>
+              </a:effectLst>
+            </a:endParaRPr>
+          </a:p>
+        </p:txBody>
+      </p:sp>
     </p:spTree>
     <p:extLst>
       <p:ext uri="{BB962C8B-B14F-4D97-AF65-F5344CB8AC3E}">
@@ -5916,23 +6200,10 @@
             <a:endParaRPr lang="en-US" dirty="0" smtClean="0"/>
           </a:p>
           <a:p>
-            <a:pPr>
-              <a:buBlip>
-                <a:blip r:embed="rId2"/>
-              </a:buBlip>
+            <a:pPr marL="118872" indent="0">
+              <a:buNone/>
             </a:pPr>
             <a:endParaRPr lang="en-US" dirty="0"/>
-          </a:p>
-          <a:p>
-            <a:pPr>
-              <a:buBlip>
-                <a:blip r:embed="rId2"/>
-              </a:buBlip>
-            </a:pPr>
-            <a:r>
-              <a:rPr lang="en-US" dirty="0" smtClean="0"/>
-              <a:t>Pattern 2</a:t>
-            </a:r>
           </a:p>
         </p:txBody>
       </p:sp>
@@ -6044,7 +6315,65 @@
                   </a:outerShdw>
                 </a:effectLst>
               </a:rPr>
-              <a:t>Design Patterns</a:t>
+              <a:t>Design </a:t>
+            </a:r>
+            <a:r>
+              <a:rPr lang="en-US" sz="7200" dirty="0" smtClean="0">
+                <a:ln>
+                  <a:prstDash val="solid"/>
+                </a:ln>
+                <a:gradFill rotWithShape="1">
+                  <a:gsLst>
+                    <a:gs pos="0">
+                      <a:schemeClr val="accent4">
+                        <a:tint val="70000"/>
+                        <a:satMod val="200000"/>
+                      </a:schemeClr>
+                    </a:gs>
+                    <a:gs pos="40000">
+                      <a:schemeClr val="accent4">
+                        <a:tint val="90000"/>
+                        <a:satMod val="130000"/>
+                      </a:schemeClr>
+                    </a:gs>
+                    <a:gs pos="50000">
+                      <a:schemeClr val="accent4">
+                        <a:tint val="90000"/>
+                        <a:satMod val="130000"/>
+                      </a:schemeClr>
+                    </a:gs>
+                    <a:gs pos="68000">
+                      <a:schemeClr val="accent4">
+                        <a:tint val="90000"/>
+                        <a:satMod val="130000"/>
+                      </a:schemeClr>
+                    </a:gs>
+                    <a:gs pos="100000">
+                      <a:schemeClr val="accent4">
+                        <a:tint val="70000"/>
+                        <a:satMod val="200000"/>
+                      </a:schemeClr>
+                    </a:gs>
+                  </a:gsLst>
+                  <a:lin ang="5400000"/>
+                </a:gradFill>
+                <a:effectLst>
+                  <a:glow rad="63500">
+                    <a:schemeClr val="accent3">
+                      <a:satMod val="175000"/>
+                      <a:alpha val="40000"/>
+                    </a:schemeClr>
+                  </a:glow>
+                  <a:outerShdw blurRad="88000" dist="50800" dir="5040000" algn="tl">
+                    <a:schemeClr val="accent4">
+                      <a:tint val="80000"/>
+                      <a:satMod val="250000"/>
+                      <a:alpha val="45000"/>
+                    </a:schemeClr>
+                  </a:outerShdw>
+                </a:effectLst>
+              </a:rPr>
+              <a:t>Pattern</a:t>
             </a:r>
             <a:endParaRPr lang="en-US" sz="6600" dirty="0"/>
           </a:p>
@@ -6100,360 +6429,6 @@
           </a:extLst>
         </p:spPr>
       </p:pic>
-      <p:grpSp>
-        <p:nvGrpSpPr>
-          <p:cNvPr id="23" name="Group 22"/>
-          <p:cNvGrpSpPr/>
-          <p:nvPr/>
-        </p:nvGrpSpPr>
-        <p:grpSpPr>
-          <a:xfrm>
-            <a:off x="4278550" y="1844823"/>
-            <a:ext cx="4305543" cy="1948950"/>
-            <a:chOff x="5029716" y="1844824"/>
-            <a:chExt cx="3592408" cy="1540084"/>
-          </a:xfrm>
-        </p:grpSpPr>
-        <p:sp>
-          <p:nvSpPr>
-            <p:cNvPr id="8" name="TextBox 7"/>
-            <p:cNvSpPr txBox="1"/>
-            <p:nvPr/>
-          </p:nvSpPr>
-          <p:spPr>
-            <a:xfrm>
-              <a:off x="6181136" y="1844824"/>
-              <a:ext cx="1534255" cy="316172"/>
-            </a:xfrm>
-            <a:prstGeom prst="rect">
-              <a:avLst/>
-            </a:prstGeom>
-          </p:spPr>
-          <p:style>
-            <a:lnRef idx="1">
-              <a:schemeClr val="accent1"/>
-            </a:lnRef>
-            <a:fillRef idx="2">
-              <a:schemeClr val="accent1"/>
-            </a:fillRef>
-            <a:effectRef idx="1">
-              <a:schemeClr val="accent1"/>
-            </a:effectRef>
-            <a:fontRef idx="minor">
-              <a:schemeClr val="dk1"/>
-            </a:fontRef>
-          </p:style>
-          <p:txBody>
-            <a:bodyPr wrap="square" rtlCol="0">
-              <a:spAutoFit/>
-            </a:bodyPr>
-            <a:lstStyle/>
-            <a:p>
-              <a:r>
-                <a:rPr lang="en-US" sz="2000" dirty="0" smtClean="0"/>
-                <a:t>State Machine </a:t>
-              </a:r>
-              <a:endParaRPr lang="en-US" sz="2000" dirty="0"/>
-            </a:p>
-          </p:txBody>
-        </p:sp>
-        <p:sp>
-          <p:nvSpPr>
-            <p:cNvPr id="9" name="TextBox 8"/>
-            <p:cNvSpPr txBox="1"/>
-            <p:nvPr/>
-          </p:nvSpPr>
-          <p:spPr>
-            <a:xfrm>
-              <a:off x="6948264" y="3068736"/>
-              <a:ext cx="665772" cy="316172"/>
-            </a:xfrm>
-            <a:prstGeom prst="rect">
-              <a:avLst/>
-            </a:prstGeom>
-          </p:spPr>
-          <p:style>
-            <a:lnRef idx="1">
-              <a:schemeClr val="accent4"/>
-            </a:lnRef>
-            <a:fillRef idx="2">
-              <a:schemeClr val="accent4"/>
-            </a:fillRef>
-            <a:effectRef idx="1">
-              <a:schemeClr val="accent4"/>
-            </a:effectRef>
-            <a:fontRef idx="minor">
-              <a:schemeClr val="dk1"/>
-            </a:fontRef>
-          </p:style>
-          <p:txBody>
-            <a:bodyPr wrap="square" rtlCol="0">
-              <a:spAutoFit/>
-            </a:bodyPr>
-            <a:lstStyle/>
-            <a:p>
-              <a:r>
-                <a:rPr lang="en-US" sz="2000" dirty="0" smtClean="0"/>
-                <a:t>Intro</a:t>
-              </a:r>
-              <a:endParaRPr lang="en-US" sz="2000" dirty="0"/>
-            </a:p>
-          </p:txBody>
-        </p:sp>
-        <p:sp>
-          <p:nvSpPr>
-            <p:cNvPr id="10" name="TextBox 9"/>
-            <p:cNvSpPr txBox="1"/>
-            <p:nvPr/>
-          </p:nvSpPr>
-          <p:spPr>
-            <a:xfrm>
-              <a:off x="6058984" y="3068736"/>
-              <a:ext cx="768064" cy="316172"/>
-            </a:xfrm>
-            <a:prstGeom prst="rect">
-              <a:avLst/>
-            </a:prstGeom>
-          </p:spPr>
-          <p:style>
-            <a:lnRef idx="1">
-              <a:schemeClr val="accent4"/>
-            </a:lnRef>
-            <a:fillRef idx="2">
-              <a:schemeClr val="accent4"/>
-            </a:fillRef>
-            <a:effectRef idx="1">
-              <a:schemeClr val="accent4"/>
-            </a:effectRef>
-            <a:fontRef idx="minor">
-              <a:schemeClr val="dk1"/>
-            </a:fontRef>
-          </p:style>
-          <p:txBody>
-            <a:bodyPr wrap="square" rtlCol="0">
-              <a:spAutoFit/>
-            </a:bodyPr>
-            <a:lstStyle/>
-            <a:p>
-              <a:r>
-                <a:rPr lang="en-US" sz="2000" dirty="0" smtClean="0"/>
-                <a:t>Pause</a:t>
-              </a:r>
-              <a:endParaRPr lang="en-US" sz="2000" dirty="0"/>
-            </a:p>
-          </p:txBody>
-        </p:sp>
-        <p:sp>
-          <p:nvSpPr>
-            <p:cNvPr id="11" name="TextBox 10"/>
-            <p:cNvSpPr txBox="1"/>
-            <p:nvPr/>
-          </p:nvSpPr>
-          <p:spPr>
-            <a:xfrm>
-              <a:off x="5029716" y="2444490"/>
-              <a:ext cx="1261704" cy="316172"/>
-            </a:xfrm>
-            <a:prstGeom prst="rect">
-              <a:avLst/>
-            </a:prstGeom>
-          </p:spPr>
-          <p:style>
-            <a:lnRef idx="1">
-              <a:schemeClr val="accent4"/>
-            </a:lnRef>
-            <a:fillRef idx="2">
-              <a:schemeClr val="accent4"/>
-            </a:fillRef>
-            <a:effectRef idx="1">
-              <a:schemeClr val="accent4"/>
-            </a:effectRef>
-            <a:fontRef idx="minor">
-              <a:schemeClr val="dk1"/>
-            </a:fontRef>
-          </p:style>
-          <p:txBody>
-            <a:bodyPr wrap="square" rtlCol="0">
-              <a:spAutoFit/>
-            </a:bodyPr>
-            <a:lstStyle/>
-            <a:p>
-              <a:r>
-                <a:rPr lang="en-US" sz="2000" dirty="0" smtClean="0"/>
-                <a:t>Game Start</a:t>
-              </a:r>
-              <a:endParaRPr lang="en-US" sz="2000" dirty="0"/>
-            </a:p>
-          </p:txBody>
-        </p:sp>
-        <p:sp>
-          <p:nvSpPr>
-            <p:cNvPr id="12" name="TextBox 11"/>
-            <p:cNvSpPr txBox="1"/>
-            <p:nvPr/>
-          </p:nvSpPr>
-          <p:spPr>
-            <a:xfrm>
-              <a:off x="7475332" y="2444490"/>
-              <a:ext cx="1146792" cy="316172"/>
-            </a:xfrm>
-            <a:prstGeom prst="rect">
-              <a:avLst/>
-            </a:prstGeom>
-          </p:spPr>
-          <p:style>
-            <a:lnRef idx="1">
-              <a:schemeClr val="accent4"/>
-            </a:lnRef>
-            <a:fillRef idx="2">
-              <a:schemeClr val="accent4"/>
-            </a:fillRef>
-            <a:effectRef idx="1">
-              <a:schemeClr val="accent4"/>
-            </a:effectRef>
-            <a:fontRef idx="minor">
-              <a:schemeClr val="dk1"/>
-            </a:fontRef>
-          </p:style>
-          <p:txBody>
-            <a:bodyPr wrap="square" rtlCol="0">
-              <a:spAutoFit/>
-            </a:bodyPr>
-            <a:lstStyle/>
-            <a:p>
-              <a:r>
-                <a:rPr lang="en-US" sz="2000" dirty="0" smtClean="0"/>
-                <a:t>Main Menu</a:t>
-              </a:r>
-              <a:endParaRPr lang="en-US" sz="2000" dirty="0"/>
-            </a:p>
-          </p:txBody>
-        </p:sp>
-        <p:cxnSp>
-          <p:nvCxnSpPr>
-            <p:cNvPr id="16" name="Straight Connector 15"/>
-            <p:cNvCxnSpPr/>
-            <p:nvPr/>
-          </p:nvCxnSpPr>
-          <p:spPr>
-            <a:xfrm flipH="1">
-              <a:off x="5868144" y="2160996"/>
-              <a:ext cx="423276" cy="283495"/>
-            </a:xfrm>
-            <a:prstGeom prst="line">
-              <a:avLst/>
-            </a:prstGeom>
-          </p:spPr>
-          <p:style>
-            <a:lnRef idx="1">
-              <a:schemeClr val="accent1"/>
-            </a:lnRef>
-            <a:fillRef idx="0">
-              <a:schemeClr val="accent1"/>
-            </a:fillRef>
-            <a:effectRef idx="0">
-              <a:schemeClr val="accent1"/>
-            </a:effectRef>
-            <a:fontRef idx="minor">
-              <a:schemeClr val="tx1"/>
-            </a:fontRef>
-          </p:style>
-        </p:cxnSp>
-        <p:cxnSp>
-          <p:nvCxnSpPr>
-            <p:cNvPr id="18" name="Straight Connector 17"/>
-            <p:cNvCxnSpPr>
-              <a:endCxn id="10" idx="0"/>
-            </p:cNvCxnSpPr>
-            <p:nvPr/>
-          </p:nvCxnSpPr>
-          <p:spPr>
-            <a:xfrm flipH="1">
-              <a:off x="6443016" y="2160996"/>
-              <a:ext cx="145212" cy="907741"/>
-            </a:xfrm>
-            <a:prstGeom prst="line">
-              <a:avLst/>
-            </a:prstGeom>
-          </p:spPr>
-          <p:style>
-            <a:lnRef idx="1">
-              <a:schemeClr val="accent1"/>
-            </a:lnRef>
-            <a:fillRef idx="0">
-              <a:schemeClr val="accent1"/>
-            </a:fillRef>
-            <a:effectRef idx="0">
-              <a:schemeClr val="accent1"/>
-            </a:effectRef>
-            <a:fontRef idx="minor">
-              <a:schemeClr val="tx1"/>
-            </a:fontRef>
-          </p:style>
-        </p:cxnSp>
-        <p:cxnSp>
-          <p:nvCxnSpPr>
-            <p:cNvPr id="20" name="Straight Connector 19"/>
-            <p:cNvCxnSpPr>
-              <a:endCxn id="9" idx="0"/>
-            </p:cNvCxnSpPr>
-            <p:nvPr/>
-          </p:nvCxnSpPr>
-          <p:spPr>
-            <a:xfrm>
-              <a:off x="7164288" y="2160996"/>
-              <a:ext cx="116862" cy="907741"/>
-            </a:xfrm>
-            <a:prstGeom prst="line">
-              <a:avLst/>
-            </a:prstGeom>
-          </p:spPr>
-          <p:style>
-            <a:lnRef idx="1">
-              <a:schemeClr val="accent1"/>
-            </a:lnRef>
-            <a:fillRef idx="0">
-              <a:schemeClr val="accent1"/>
-            </a:fillRef>
-            <a:effectRef idx="0">
-              <a:schemeClr val="accent1"/>
-            </a:effectRef>
-            <a:fontRef idx="minor">
-              <a:schemeClr val="tx1"/>
-            </a:fontRef>
-          </p:style>
-        </p:cxnSp>
-        <p:cxnSp>
-          <p:nvCxnSpPr>
-            <p:cNvPr id="22" name="Straight Connector 21"/>
-            <p:cNvCxnSpPr/>
-            <p:nvPr/>
-          </p:nvCxnSpPr>
-          <p:spPr>
-            <a:xfrm>
-              <a:off x="7553125" y="2160996"/>
-              <a:ext cx="331243" cy="283495"/>
-            </a:xfrm>
-            <a:prstGeom prst="line">
-              <a:avLst/>
-            </a:prstGeom>
-          </p:spPr>
-          <p:style>
-            <a:lnRef idx="1">
-              <a:schemeClr val="accent1"/>
-            </a:lnRef>
-            <a:fillRef idx="0">
-              <a:schemeClr val="accent1"/>
-            </a:fillRef>
-            <a:effectRef idx="0">
-              <a:schemeClr val="accent1"/>
-            </a:effectRef>
-            <a:fontRef idx="minor">
-              <a:schemeClr val="tx1"/>
-            </a:fontRef>
-          </p:style>
-        </p:cxnSp>
-      </p:grpSp>
       <p:cxnSp>
         <p:nvCxnSpPr>
           <p:cNvPr id="29" name="Straight Arrow Connector 28"/>
@@ -6464,8 +6439,8 @@
         </p:nvCxnSpPr>
         <p:spPr>
           <a:xfrm>
-            <a:off x="4067944" y="1916832"/>
-            <a:ext cx="1590596" cy="128046"/>
+            <a:off x="1942694" y="3479109"/>
+            <a:ext cx="1939199" cy="250747"/>
           </a:xfrm>
           <a:prstGeom prst="straightConnector1">
             <a:avLst/>
@@ -6489,44 +6464,413 @@
           </a:fontRef>
         </p:style>
       </p:cxnSp>
-      <p:sp>
-        <p:nvSpPr>
-          <p:cNvPr id="31" name="TextBox 30"/>
-          <p:cNvSpPr txBox="1"/>
+      <p:grpSp>
+        <p:nvGrpSpPr>
+          <p:cNvPr id="2" name="Group 1"/>
+          <p:cNvGrpSpPr/>
           <p:nvPr/>
-        </p:nvSpPr>
-        <p:spPr>
+        </p:nvGrpSpPr>
+        <p:grpSpPr>
           <a:xfrm>
-            <a:off x="4067944" y="1580745"/>
-            <a:ext cx="721672" cy="400110"/>
+            <a:off x="2110664" y="3068688"/>
+            <a:ext cx="5413664" cy="2808584"/>
+            <a:chOff x="2376592" y="2999404"/>
+            <a:chExt cx="4348179" cy="2287364"/>
           </a:xfrm>
-          <a:prstGeom prst="rect">
-            <a:avLst/>
-          </a:prstGeom>
-          <a:noFill/>
-        </p:spPr>
-        <p:txBody>
-          <a:bodyPr wrap="none" rtlCol="0">
-            <a:spAutoFit/>
-          </a:bodyPr>
-          <a:lstStyle/>
-          <a:p>
-            <a:r>
-              <a:rPr lang="en-US" sz="2000" dirty="0" smtClean="0">
+        </p:grpSpPr>
+        <p:grpSp>
+          <p:nvGrpSpPr>
+            <p:cNvPr id="23" name="Group 22"/>
+            <p:cNvGrpSpPr/>
+            <p:nvPr/>
+          </p:nvGrpSpPr>
+          <p:grpSpPr>
+            <a:xfrm>
+              <a:off x="2419228" y="3337816"/>
+              <a:ext cx="4305543" cy="1948952"/>
+              <a:chOff x="5029716" y="1844823"/>
+              <a:chExt cx="3592408" cy="1540085"/>
+            </a:xfrm>
+          </p:grpSpPr>
+          <p:sp>
+            <p:nvSpPr>
+              <p:cNvPr id="8" name="TextBox 7"/>
+              <p:cNvSpPr txBox="1"/>
+              <p:nvPr/>
+            </p:nvSpPr>
+            <p:spPr>
+              <a:xfrm>
+                <a:off x="6181136" y="1844823"/>
+                <a:ext cx="1534255" cy="316172"/>
+              </a:xfrm>
+              <a:prstGeom prst="rect">
+                <a:avLst/>
+              </a:prstGeom>
+            </p:spPr>
+            <p:style>
+              <a:lnRef idx="1">
+                <a:schemeClr val="accent1"/>
+              </a:lnRef>
+              <a:fillRef idx="2">
+                <a:schemeClr val="accent1"/>
+              </a:fillRef>
+              <a:effectRef idx="1">
+                <a:schemeClr val="accent1"/>
+              </a:effectRef>
+              <a:fontRef idx="minor">
+                <a:schemeClr val="dk1"/>
+              </a:fontRef>
+            </p:style>
+            <p:txBody>
+              <a:bodyPr wrap="square" rtlCol="0">
+                <a:spAutoFit/>
+              </a:bodyPr>
+              <a:lstStyle/>
+              <a:p>
+                <a:r>
+                  <a:rPr lang="en-US" sz="2000" dirty="0" smtClean="0"/>
+                  <a:t>State Machine </a:t>
+                </a:r>
+                <a:endParaRPr lang="en-US" sz="2000" dirty="0"/>
+              </a:p>
+            </p:txBody>
+          </p:sp>
+          <p:sp>
+            <p:nvSpPr>
+              <p:cNvPr id="9" name="TextBox 8"/>
+              <p:cNvSpPr txBox="1"/>
+              <p:nvPr/>
+            </p:nvSpPr>
+            <p:spPr>
+              <a:xfrm>
+                <a:off x="6948264" y="3068736"/>
+                <a:ext cx="665772" cy="316172"/>
+              </a:xfrm>
+              <a:prstGeom prst="rect">
+                <a:avLst/>
+              </a:prstGeom>
+            </p:spPr>
+            <p:style>
+              <a:lnRef idx="1">
+                <a:schemeClr val="accent4"/>
+              </a:lnRef>
+              <a:fillRef idx="2">
+                <a:schemeClr val="accent4"/>
+              </a:fillRef>
+              <a:effectRef idx="1">
+                <a:schemeClr val="accent4"/>
+              </a:effectRef>
+              <a:fontRef idx="minor">
+                <a:schemeClr val="dk1"/>
+              </a:fontRef>
+            </p:style>
+            <p:txBody>
+              <a:bodyPr wrap="square" rtlCol="0">
+                <a:spAutoFit/>
+              </a:bodyPr>
+              <a:lstStyle/>
+              <a:p>
+                <a:r>
+                  <a:rPr lang="en-US" sz="2000" dirty="0" smtClean="0"/>
+                  <a:t>Intro</a:t>
+                </a:r>
+                <a:endParaRPr lang="en-US" sz="2000" dirty="0"/>
+              </a:p>
+            </p:txBody>
+          </p:sp>
+          <p:sp>
+            <p:nvSpPr>
+              <p:cNvPr id="10" name="TextBox 9"/>
+              <p:cNvSpPr txBox="1"/>
+              <p:nvPr/>
+            </p:nvSpPr>
+            <p:spPr>
+              <a:xfrm>
+                <a:off x="6058984" y="3068736"/>
+                <a:ext cx="768064" cy="316172"/>
+              </a:xfrm>
+              <a:prstGeom prst="rect">
+                <a:avLst/>
+              </a:prstGeom>
+            </p:spPr>
+            <p:style>
+              <a:lnRef idx="1">
+                <a:schemeClr val="accent4"/>
+              </a:lnRef>
+              <a:fillRef idx="2">
+                <a:schemeClr val="accent4"/>
+              </a:fillRef>
+              <a:effectRef idx="1">
+                <a:schemeClr val="accent4"/>
+              </a:effectRef>
+              <a:fontRef idx="minor">
+                <a:schemeClr val="dk1"/>
+              </a:fontRef>
+            </p:style>
+            <p:txBody>
+              <a:bodyPr wrap="square" rtlCol="0">
+                <a:spAutoFit/>
+              </a:bodyPr>
+              <a:lstStyle/>
+              <a:p>
+                <a:r>
+                  <a:rPr lang="en-US" sz="2000" dirty="0" smtClean="0"/>
+                  <a:t>Pause</a:t>
+                </a:r>
+                <a:endParaRPr lang="en-US" sz="2000" dirty="0"/>
+              </a:p>
+            </p:txBody>
+          </p:sp>
+          <p:sp>
+            <p:nvSpPr>
+              <p:cNvPr id="11" name="TextBox 10"/>
+              <p:cNvSpPr txBox="1"/>
+              <p:nvPr/>
+            </p:nvSpPr>
+            <p:spPr>
+              <a:xfrm>
+                <a:off x="5029716" y="2444490"/>
+                <a:ext cx="1261704" cy="316172"/>
+              </a:xfrm>
+              <a:prstGeom prst="rect">
+                <a:avLst/>
+              </a:prstGeom>
+            </p:spPr>
+            <p:style>
+              <a:lnRef idx="1">
+                <a:schemeClr val="accent4"/>
+              </a:lnRef>
+              <a:fillRef idx="2">
+                <a:schemeClr val="accent4"/>
+              </a:fillRef>
+              <a:effectRef idx="1">
+                <a:schemeClr val="accent4"/>
+              </a:effectRef>
+              <a:fontRef idx="minor">
+                <a:schemeClr val="dk1"/>
+              </a:fontRef>
+            </p:style>
+            <p:txBody>
+              <a:bodyPr wrap="square" rtlCol="0">
+                <a:spAutoFit/>
+              </a:bodyPr>
+              <a:lstStyle/>
+              <a:p>
+                <a:r>
+                  <a:rPr lang="en-US" sz="2000" dirty="0" smtClean="0"/>
+                  <a:t>Game Start</a:t>
+                </a:r>
+                <a:endParaRPr lang="en-US" sz="2000" dirty="0"/>
+              </a:p>
+            </p:txBody>
+          </p:sp>
+          <p:sp>
+            <p:nvSpPr>
+              <p:cNvPr id="12" name="TextBox 11"/>
+              <p:cNvSpPr txBox="1"/>
+              <p:nvPr/>
+            </p:nvSpPr>
+            <p:spPr>
+              <a:xfrm>
+                <a:off x="7475332" y="2444490"/>
+                <a:ext cx="1146792" cy="316172"/>
+              </a:xfrm>
+              <a:prstGeom prst="rect">
+                <a:avLst/>
+              </a:prstGeom>
+            </p:spPr>
+            <p:style>
+              <a:lnRef idx="1">
+                <a:schemeClr val="accent4"/>
+              </a:lnRef>
+              <a:fillRef idx="2">
+                <a:schemeClr val="accent4"/>
+              </a:fillRef>
+              <a:effectRef idx="1">
+                <a:schemeClr val="accent4"/>
+              </a:effectRef>
+              <a:fontRef idx="minor">
+                <a:schemeClr val="dk1"/>
+              </a:fontRef>
+            </p:style>
+            <p:txBody>
+              <a:bodyPr wrap="square" rtlCol="0">
+                <a:spAutoFit/>
+              </a:bodyPr>
+              <a:lstStyle/>
+              <a:p>
+                <a:r>
+                  <a:rPr lang="en-US" sz="2000" dirty="0" smtClean="0"/>
+                  <a:t>Main Menu</a:t>
+                </a:r>
+                <a:endParaRPr lang="en-US" sz="2000" dirty="0"/>
+              </a:p>
+            </p:txBody>
+          </p:sp>
+          <p:cxnSp>
+            <p:nvCxnSpPr>
+              <p:cNvPr id="16" name="Straight Connector 15"/>
+              <p:cNvCxnSpPr/>
+              <p:nvPr/>
+            </p:nvCxnSpPr>
+            <p:spPr>
+              <a:xfrm flipH="1">
+                <a:off x="5868144" y="2160996"/>
+                <a:ext cx="423276" cy="283495"/>
+              </a:xfrm>
+              <a:prstGeom prst="line">
+                <a:avLst/>
+              </a:prstGeom>
+            </p:spPr>
+            <p:style>
+              <a:lnRef idx="1">
+                <a:schemeClr val="accent1"/>
+              </a:lnRef>
+              <a:fillRef idx="0">
+                <a:schemeClr val="accent1"/>
+              </a:fillRef>
+              <a:effectRef idx="0">
+                <a:schemeClr val="accent1"/>
+              </a:effectRef>
+              <a:fontRef idx="minor">
+                <a:schemeClr val="tx1"/>
+              </a:fontRef>
+            </p:style>
+          </p:cxnSp>
+          <p:cxnSp>
+            <p:nvCxnSpPr>
+              <p:cNvPr id="18" name="Straight Connector 17"/>
+              <p:cNvCxnSpPr>
+                <a:endCxn id="10" idx="0"/>
+              </p:cNvCxnSpPr>
+              <p:nvPr/>
+            </p:nvCxnSpPr>
+            <p:spPr>
+              <a:xfrm flipH="1">
+                <a:off x="6443016" y="2160996"/>
+                <a:ext cx="145212" cy="907741"/>
+              </a:xfrm>
+              <a:prstGeom prst="line">
+                <a:avLst/>
+              </a:prstGeom>
+            </p:spPr>
+            <p:style>
+              <a:lnRef idx="1">
+                <a:schemeClr val="accent1"/>
+              </a:lnRef>
+              <a:fillRef idx="0">
+                <a:schemeClr val="accent1"/>
+              </a:fillRef>
+              <a:effectRef idx="0">
+                <a:schemeClr val="accent1"/>
+              </a:effectRef>
+              <a:fontRef idx="minor">
+                <a:schemeClr val="tx1"/>
+              </a:fontRef>
+            </p:style>
+          </p:cxnSp>
+          <p:cxnSp>
+            <p:nvCxnSpPr>
+              <p:cNvPr id="20" name="Straight Connector 19"/>
+              <p:cNvCxnSpPr>
+                <a:endCxn id="9" idx="0"/>
+              </p:cNvCxnSpPr>
+              <p:nvPr/>
+            </p:nvCxnSpPr>
+            <p:spPr>
+              <a:xfrm>
+                <a:off x="7164288" y="2160996"/>
+                <a:ext cx="116862" cy="907741"/>
+              </a:xfrm>
+              <a:prstGeom prst="line">
+                <a:avLst/>
+              </a:prstGeom>
+            </p:spPr>
+            <p:style>
+              <a:lnRef idx="1">
+                <a:schemeClr val="accent1"/>
+              </a:lnRef>
+              <a:fillRef idx="0">
+                <a:schemeClr val="accent1"/>
+              </a:fillRef>
+              <a:effectRef idx="0">
+                <a:schemeClr val="accent1"/>
+              </a:effectRef>
+              <a:fontRef idx="minor">
+                <a:schemeClr val="tx1"/>
+              </a:fontRef>
+            </p:style>
+          </p:cxnSp>
+          <p:cxnSp>
+            <p:nvCxnSpPr>
+              <p:cNvPr id="22" name="Straight Connector 21"/>
+              <p:cNvCxnSpPr/>
+              <p:nvPr/>
+            </p:nvCxnSpPr>
+            <p:spPr>
+              <a:xfrm>
+                <a:off x="7553125" y="2160996"/>
+                <a:ext cx="331243" cy="283495"/>
+              </a:xfrm>
+              <a:prstGeom prst="line">
+                <a:avLst/>
+              </a:prstGeom>
+            </p:spPr>
+            <p:style>
+              <a:lnRef idx="1">
+                <a:schemeClr val="accent1"/>
+              </a:lnRef>
+              <a:fillRef idx="0">
+                <a:schemeClr val="accent1"/>
+              </a:fillRef>
+              <a:effectRef idx="0">
+                <a:schemeClr val="accent1"/>
+              </a:effectRef>
+              <a:fontRef idx="minor">
+                <a:schemeClr val="tx1"/>
+              </a:fontRef>
+            </p:style>
+          </p:cxnSp>
+        </p:grpSp>
+        <p:sp>
+          <p:nvSpPr>
+            <p:cNvPr id="31" name="TextBox 30"/>
+            <p:cNvSpPr txBox="1"/>
+            <p:nvPr/>
+          </p:nvSpPr>
+          <p:spPr>
+            <a:xfrm rot="357151">
+              <a:off x="2376592" y="2999404"/>
+              <a:ext cx="721672" cy="400110"/>
+            </a:xfrm>
+            <a:prstGeom prst="rect">
+              <a:avLst/>
+            </a:prstGeom>
+            <a:noFill/>
+          </p:spPr>
+          <p:txBody>
+            <a:bodyPr wrap="none" rtlCol="0">
+              <a:spAutoFit/>
+            </a:bodyPr>
+            <a:lstStyle/>
+            <a:p>
+              <a:r>
+                <a:rPr lang="en-US" sz="2000" dirty="0" smtClean="0">
+                  <a:solidFill>
+                    <a:srgbClr val="C00000"/>
+                  </a:solidFill>
+                </a:rPr>
+                <a:t>state</a:t>
+              </a:r>
+              <a:endParaRPr lang="en-US" sz="2000" dirty="0">
                 <a:solidFill>
                   <a:srgbClr val="C00000"/>
                 </a:solidFill>
-              </a:rPr>
-              <a:t>state</a:t>
-            </a:r>
-            <a:endParaRPr lang="en-US" sz="2000" dirty="0">
-              <a:solidFill>
-                <a:srgbClr val="C00000"/>
-              </a:solidFill>
-            </a:endParaRPr>
-          </a:p>
-        </p:txBody>
-      </p:sp>
+              </a:endParaRPr>
+            </a:p>
+          </p:txBody>
+        </p:sp>
+      </p:grpSp>
     </p:spTree>
     <p:extLst>
       <p:ext uri="{BB962C8B-B14F-4D97-AF65-F5344CB8AC3E}">
@@ -6574,12 +6918,73 @@
             <p:ph idx="1"/>
           </p:nvPr>
         </p:nvSpPr>
-        <p:spPr/>
+        <p:spPr>
+          <a:xfrm>
+            <a:off x="755576" y="1988840"/>
+            <a:ext cx="2098576" cy="2301881"/>
+          </a:xfrm>
+        </p:spPr>
         <p:txBody>
           <a:bodyPr/>
           <a:lstStyle/>
           <a:p>
-            <a:endParaRPr lang="en-US"/>
+            <a:pPr>
+              <a:buBlip>
+                <a:blip r:embed="rId2"/>
+              </a:buBlip>
+            </a:pPr>
+            <a:r>
+              <a:rPr lang="en-US" dirty="0" smtClean="0"/>
+              <a:t>States</a:t>
+            </a:r>
+          </a:p>
+          <a:p>
+            <a:pPr>
+              <a:buBlip>
+                <a:blip r:embed="rId2"/>
+              </a:buBlip>
+            </a:pPr>
+            <a:r>
+              <a:rPr lang="en-US" dirty="0" smtClean="0"/>
+              <a:t>Objects</a:t>
+            </a:r>
+          </a:p>
+          <a:p>
+            <a:pPr>
+              <a:buBlip>
+                <a:blip r:embed="rId2"/>
+              </a:buBlip>
+            </a:pPr>
+            <a:r>
+              <a:rPr lang="en-US" dirty="0"/>
+              <a:t>Units</a:t>
+            </a:r>
+          </a:p>
+          <a:p>
+            <a:pPr>
+              <a:buBlip>
+                <a:blip r:embed="rId2"/>
+              </a:buBlip>
+            </a:pPr>
+            <a:r>
+              <a:rPr lang="en-US" dirty="0" err="1"/>
+              <a:t>Utils</a:t>
+            </a:r>
+            <a:endParaRPr lang="en-US" dirty="0"/>
+          </a:p>
+          <a:p>
+            <a:pPr>
+              <a:buBlip>
+                <a:blip r:embed="rId2"/>
+              </a:buBlip>
+            </a:pPr>
+            <a:endParaRPr lang="en-US" dirty="0" smtClean="0"/>
+          </a:p>
+          <a:p>
+            <a:pPr marL="118872" indent="0">
+              <a:buNone/>
+            </a:pPr>
+            <a:endParaRPr lang="en-US" dirty="0" smtClean="0"/>
           </a:p>
         </p:txBody>
       </p:sp>
@@ -6700,7 +7105,7 @@
       <p:pic>
         <p:nvPicPr>
           <p:cNvPr id="7" name="Picture 5" descr="E:\zariba\test\images.png">
-            <a:hlinkClick r:id="rId2" action="ppaction://hlinksldjump"/>
+            <a:hlinkClick r:id="rId3" action="ppaction://hlinksldjump"/>
           </p:cNvPr>
           <p:cNvPicPr>
             <a:picLocks noChangeAspect="1" noChangeArrowheads="1"/>
@@ -6708,7 +7113,7 @@
           <p:nvPr/>
         </p:nvPicPr>
         <p:blipFill>
-          <a:blip r:embed="rId3" cstate="print">
+          <a:blip r:embed="rId4" cstate="print">
             <a:duotone>
               <a:prstClr val="black"/>
               <a:schemeClr val="accent4">
@@ -6731,6 +7136,47 @@
           <a:xfrm>
             <a:off x="8259778" y="177248"/>
             <a:ext cx="659464" cy="659464"/>
+          </a:xfrm>
+          <a:prstGeom prst="rect">
+            <a:avLst/>
+          </a:prstGeom>
+          <a:noFill/>
+          <a:extLst>
+            <a:ext uri="{909E8E84-426E-40DD-AFC4-6F175D3DCCD1}">
+              <a14:hiddenFill xmlns:a14="http://schemas.microsoft.com/office/drawing/2010/main">
+                <a:solidFill>
+                  <a:srgbClr val="FFFFFF"/>
+                </a:solidFill>
+              </a14:hiddenFill>
+            </a:ext>
+          </a:extLst>
+        </p:spPr>
+      </p:pic>
+      <p:pic>
+        <p:nvPicPr>
+          <p:cNvPr id="3074" name="Picture 2" descr="E:\zariba\test\tenor.gif"/>
+          <p:cNvPicPr>
+            <a:picLocks noChangeAspect="1" noChangeArrowheads="1" noCrop="1"/>
+          </p:cNvPicPr>
+          <p:nvPr/>
+        </p:nvPicPr>
+        <p:blipFill>
+          <a:blip r:embed="rId5">
+            <a:extLst>
+              <a:ext uri="{28A0092B-C50C-407E-A947-70E740481C1C}">
+                <a14:useLocalDpi xmlns:a14="http://schemas.microsoft.com/office/drawing/2010/main" val="0"/>
+              </a:ext>
+            </a:extLst>
+          </a:blip>
+          <a:srcRect/>
+          <a:stretch>
+            <a:fillRect/>
+          </a:stretch>
+        </p:blipFill>
+        <p:spPr bwMode="auto">
+          <a:xfrm>
+            <a:off x="3419872" y="3356992"/>
+            <a:ext cx="4743450" cy="2647950"/>
           </a:xfrm>
           <a:prstGeom prst="rect">
             <a:avLst/>
